--- a/PPT/PART 15.pptx
+++ b/PPT/PART 15.pptx
@@ -256,7 +256,7 @@
           <a:p>
             <a:fld id="{48A87A34-81AB-432B-8DAE-1953F412C126}" type="datetimeFigureOut">
               <a:rPr lang="en-US" dirty="0"/>
-              <a:t>4/5/2021</a:t>
+              <a:t>4/11/2021</a:t>
             </a:fld>
             <a:endParaRPr lang="en-US" dirty="0"/>
           </a:p>
@@ -462,7 +462,7 @@
           <a:p>
             <a:fld id="{48A87A34-81AB-432B-8DAE-1953F412C126}" type="datetimeFigureOut">
               <a:rPr lang="en-US" dirty="0"/>
-              <a:t>4/5/2021</a:t>
+              <a:t>4/11/2021</a:t>
             </a:fld>
             <a:endParaRPr lang="en-US" dirty="0"/>
           </a:p>
@@ -672,7 +672,7 @@
           <a:p>
             <a:fld id="{48A87A34-81AB-432B-8DAE-1953F412C126}" type="datetimeFigureOut">
               <a:rPr lang="en-US" dirty="0"/>
-              <a:t>4/5/2021</a:t>
+              <a:t>4/11/2021</a:t>
             </a:fld>
             <a:endParaRPr lang="en-US" dirty="0"/>
           </a:p>
@@ -868,7 +868,7 @@
           <a:p>
             <a:fld id="{48A87A34-81AB-432B-8DAE-1953F412C126}" type="datetimeFigureOut">
               <a:rPr lang="en-US" dirty="0"/>
-              <a:t>4/5/2021</a:t>
+              <a:t>4/11/2021</a:t>
             </a:fld>
             <a:endParaRPr lang="en-US" dirty="0"/>
           </a:p>
@@ -1142,7 +1142,7 @@
           <a:p>
             <a:fld id="{48A87A34-81AB-432B-8DAE-1953F412C126}" type="datetimeFigureOut">
               <a:rPr lang="en-US" dirty="0"/>
-              <a:t>4/5/2021</a:t>
+              <a:t>4/11/2021</a:t>
             </a:fld>
             <a:endParaRPr lang="en-US" dirty="0"/>
           </a:p>
@@ -1405,7 +1405,7 @@
           <a:p>
             <a:fld id="{48A87A34-81AB-432B-8DAE-1953F412C126}" type="datetimeFigureOut">
               <a:rPr lang="en-US" dirty="0"/>
-              <a:t>4/5/2021</a:t>
+              <a:t>4/11/2021</a:t>
             </a:fld>
             <a:endParaRPr lang="en-US" dirty="0"/>
           </a:p>
@@ -1816,7 +1816,7 @@
           <a:p>
             <a:fld id="{48A87A34-81AB-432B-8DAE-1953F412C126}" type="datetimeFigureOut">
               <a:rPr lang="en-US" dirty="0"/>
-              <a:t>4/5/2021</a:t>
+              <a:t>4/11/2021</a:t>
             </a:fld>
             <a:endParaRPr lang="en-US" dirty="0"/>
           </a:p>
@@ -1960,7 +1960,7 @@
           <a:p>
             <a:fld id="{48A87A34-81AB-432B-8DAE-1953F412C126}" type="datetimeFigureOut">
               <a:rPr lang="en-US" dirty="0"/>
-              <a:t>4/5/2021</a:t>
+              <a:t>4/11/2021</a:t>
             </a:fld>
             <a:endParaRPr lang="en-US" dirty="0"/>
           </a:p>
@@ -2081,7 +2081,7 @@
           <a:p>
             <a:fld id="{48A87A34-81AB-432B-8DAE-1953F412C126}" type="datetimeFigureOut">
               <a:rPr lang="en-US" dirty="0"/>
-              <a:t>4/5/2021</a:t>
+              <a:t>4/11/2021</a:t>
             </a:fld>
             <a:endParaRPr lang="en-US" dirty="0"/>
           </a:p>
@@ -2327,7 +2327,7 @@
           <a:p>
             <a:fld id="{48A87A34-81AB-432B-8DAE-1953F412C126}" type="datetimeFigureOut">
               <a:rPr lang="en-US" dirty="0"/>
-              <a:t>4/5/2021</a:t>
+              <a:t>4/11/2021</a:t>
             </a:fld>
             <a:endParaRPr lang="en-US" dirty="0"/>
           </a:p>
@@ -2768,7 +2768,7 @@
             <a:fld id="{48A87A34-81AB-432B-8DAE-1953F412C126}" type="datetimeFigureOut">
               <a:rPr lang="en-US" dirty="0"/>
               <a:pPr/>
-              <a:t>4/5/2021</a:t>
+              <a:t>4/11/2021</a:t>
             </a:fld>
             <a:endParaRPr lang="en-US" dirty="0"/>
           </a:p>
@@ -3091,7 +3091,7 @@
             <a:fld id="{48A87A34-81AB-432B-8DAE-1953F412C126}" type="datetimeFigureOut">
               <a:rPr lang="en-US" dirty="0"/>
               <a:pPr/>
-              <a:t>4/5/2021</a:t>
+              <a:t>4/11/2021</a:t>
             </a:fld>
             <a:endParaRPr lang="en-US" dirty="0"/>
           </a:p>
